--- a/misc/Re&ound.pptx
+++ b/misc/Re&ound.pptx
@@ -10,6 +10,7 @@
     <p:sldId id="258" r:id="rId4"/>
     <p:sldId id="259" r:id="rId5"/>
     <p:sldId id="260" r:id="rId6"/>
+    <p:sldId id="261" r:id="rId7"/>
   </p:sldIdLst>
   <p:sldSz cx="12192000" cy="6858000"/>
   <p:notesSz cx="6858000" cy="9144000"/>
@@ -108,6 +109,11 @@
       </a:defRPr>
     </a:lvl9pPr>
   </p:defaultTextStyle>
+  <p:extLst>
+    <p:ext uri="{EFAFB233-063F-42B5-8137-9DF3F51BA10A}">
+      <p15:sldGuideLst xmlns:p15="http://schemas.microsoft.com/office/powerpoint/2012/main"/>
+    </p:ext>
+  </p:extLst>
 </p:presentation>
 </file>
 
@@ -385,7 +391,7 @@
           <a:p>
             <a:fld id="{78ABE3C1-DBE1-495D-B57B-2849774B866A}" type="datetimeFigureOut">
               <a:rPr lang="en-US" dirty="0"/>
-              <a:t>2/1/2023</a:t>
+              <a:t>2/15/2023</a:t>
             </a:fld>
             <a:endParaRPr lang="en-US" dirty="0"/>
           </a:p>
@@ -794,7 +800,7 @@
           <a:p>
             <a:fld id="{446C117F-5CCF-4837-BE5F-2B92066CAFAF}" type="datetimeFigureOut">
               <a:rPr lang="en-US" dirty="0"/>
-              <a:t>2/1/2023</a:t>
+              <a:t>2/15/2023</a:t>
             </a:fld>
             <a:endParaRPr lang="en-US" dirty="0"/>
           </a:p>
@@ -1125,7 +1131,7 @@
           <a:p>
             <a:fld id="{84EB90BD-B6CE-46B7-997F-7313B992CCDC}" type="datetimeFigureOut">
               <a:rPr lang="en-US" dirty="0"/>
-              <a:t>2/1/2023</a:t>
+              <a:t>2/15/2023</a:t>
             </a:fld>
             <a:endParaRPr lang="en-US" dirty="0"/>
           </a:p>
@@ -1525,7 +1531,7 @@
           <a:p>
             <a:fld id="{CDB9D11F-B188-461D-B23F-39381795C052}" type="datetimeFigureOut">
               <a:rPr lang="en-US" dirty="0"/>
-              <a:t>2/1/2023</a:t>
+              <a:t>2/15/2023</a:t>
             </a:fld>
             <a:endParaRPr lang="en-US" dirty="0"/>
           </a:p>
@@ -2088,7 +2094,7 @@
           <a:p>
             <a:fld id="{52E6D8D9-55A2-4063-B0F3-121F44549695}" type="datetimeFigureOut">
               <a:rPr lang="en-US" dirty="0"/>
-              <a:t>2/1/2023</a:t>
+              <a:t>2/15/2023</a:t>
             </a:fld>
             <a:endParaRPr lang="en-US" dirty="0"/>
           </a:p>
@@ -2764,7 +2770,7 @@
           <a:p>
             <a:fld id="{D4B24536-994D-4021-A283-9F449C0DB509}" type="datetimeFigureOut">
               <a:rPr lang="en-US" dirty="0"/>
-              <a:t>2/1/2023</a:t>
+              <a:t>2/15/2023</a:t>
             </a:fld>
             <a:endParaRPr lang="en-US" dirty="0"/>
           </a:p>
@@ -3672,7 +3678,7 @@
           <a:p>
             <a:fld id="{3CBBBB78-C96F-47B7-AB17-D852CA960AC9}" type="datetimeFigureOut">
               <a:rPr lang="en-US" dirty="0"/>
-              <a:t>2/1/2023</a:t>
+              <a:t>2/15/2023</a:t>
             </a:fld>
             <a:endParaRPr lang="en-US" dirty="0"/>
           </a:p>
@@ -3980,7 +3986,7 @@
           <a:p>
             <a:fld id="{1FA3F48C-C7C6-4055-9F49-3777875E72AE}" type="datetimeFigureOut">
               <a:rPr lang="en-US" dirty="0"/>
-              <a:t>2/1/2023</a:t>
+              <a:t>2/15/2023</a:t>
             </a:fld>
             <a:endParaRPr lang="en-US" dirty="0"/>
           </a:p>
@@ -4239,7 +4245,7 @@
           <a:p>
             <a:fld id="{6178E61D-D431-422C-9764-11DAFE33AB63}" type="datetimeFigureOut">
               <a:rPr lang="en-US" dirty="0"/>
-              <a:t>2/1/2023</a:t>
+              <a:t>2/15/2023</a:t>
             </a:fld>
             <a:endParaRPr lang="en-US" dirty="0"/>
           </a:p>
@@ -4558,7 +4564,7 @@
           <a:p>
             <a:fld id="{12DE42F4-6EEF-4EF7-8ED4-2208F0F89A08}" type="datetimeFigureOut">
               <a:rPr lang="en-US" dirty="0"/>
-              <a:t>2/1/2023</a:t>
+              <a:t>2/15/2023</a:t>
             </a:fld>
             <a:endParaRPr lang="en-US" dirty="0"/>
           </a:p>
@@ -4942,7 +4948,7 @@
           <a:p>
             <a:fld id="{30578ACC-22D6-47C1-A373-4FD133E34F3C}" type="datetimeFigureOut">
               <a:rPr lang="en-US" dirty="0"/>
-              <a:t>2/1/2023</a:t>
+              <a:t>2/15/2023</a:t>
             </a:fld>
             <a:endParaRPr lang="en-US" dirty="0"/>
           </a:p>
@@ -5313,7 +5319,7 @@
           <a:p>
             <a:fld id="{4E5A6C69-6797-4E8A-BF37-F2C3751466E9}" type="datetimeFigureOut">
               <a:rPr lang="en-US" dirty="0"/>
-              <a:t>2/1/2023</a:t>
+              <a:t>2/15/2023</a:t>
             </a:fld>
             <a:endParaRPr lang="en-US" dirty="0"/>
           </a:p>
@@ -5814,7 +5820,7 @@
           <a:p>
             <a:fld id="{D82014A1-A632-4878-A0D3-F52BA7563730}" type="datetimeFigureOut">
               <a:rPr lang="en-US" dirty="0"/>
-              <a:t>2/1/2023</a:t>
+              <a:t>2/15/2023</a:t>
             </a:fld>
             <a:endParaRPr lang="en-US" dirty="0"/>
           </a:p>
@@ -6066,7 +6072,7 @@
           <a:p>
             <a:fld id="{CE99F462-093F-4566-844B-4C71F2739DA5}" type="datetimeFigureOut">
               <a:rPr lang="en-US" dirty="0"/>
-              <a:t>2/1/2023</a:t>
+              <a:t>2/15/2023</a:t>
             </a:fld>
             <a:endParaRPr lang="en-US" dirty="0"/>
           </a:p>
@@ -6224,7 +6230,7 @@
           <a:p>
             <a:fld id="{3D24A7AC-904D-4781-85BA-7D10C17ED021}" type="datetimeFigureOut">
               <a:rPr lang="en-US" dirty="0"/>
-              <a:t>2/1/2023</a:t>
+              <a:t>2/15/2023</a:t>
             </a:fld>
             <a:endParaRPr lang="en-US" dirty="0"/>
           </a:p>
@@ -6609,7 +6615,7 @@
           <a:p>
             <a:fld id="{E331444B-B92B-4E27-8C94-BB93EAF5CB18}" type="datetimeFigureOut">
               <a:rPr lang="en-US" dirty="0"/>
-              <a:t>2/1/2023</a:t>
+              <a:t>2/15/2023</a:t>
             </a:fld>
             <a:endParaRPr lang="en-US" dirty="0"/>
           </a:p>
@@ -7013,7 +7019,7 @@
           <a:p>
             <a:fld id="{363EFA5E-FA76-400D-B3DC-F0BA90E6D107}" type="datetimeFigureOut">
               <a:rPr lang="en-US" dirty="0"/>
-              <a:t>2/1/2023</a:t>
+              <a:t>2/15/2023</a:t>
             </a:fld>
             <a:endParaRPr lang="en-US" dirty="0"/>
           </a:p>
@@ -7252,7 +7258,7 @@
           <a:p>
             <a:fld id="{9D6E9DEC-419B-4CC5-A080-3B06BD5A8291}" type="datetimeFigureOut">
               <a:rPr lang="en-US" dirty="0"/>
-              <a:t>2/1/2023</a:t>
+              <a:t>2/15/2023</a:t>
             </a:fld>
             <a:endParaRPr lang="en-US" dirty="0"/>
           </a:p>
@@ -7780,7 +7786,7 @@
           <a:p>
             <a:r>
               <a:rPr lang="en-US" dirty="0"/>
-              <a:t>Team Members</a:t>
+              <a:t>Integrated Project: Team Members</a:t>
             </a:r>
           </a:p>
         </p:txBody>
@@ -8038,7 +8044,7 @@
           <p:cNvPr id="5" name="Picture 4">
             <a:extLst>
               <a:ext uri="{FF2B5EF4-FFF2-40B4-BE49-F238E27FC236}">
-                <a16:creationId xmlns:a16="http://schemas.microsoft.com/office/drawing/2014/main" id="{8AA0CCEC-6772-4368-0FC0-658143048A6A}"/>
+                <a16:creationId xmlns:a16="http://schemas.microsoft.com/office/drawing/2014/main" id="{FA0E6E49-7F2C-3FDE-4E20-AD8EE27DD80D}"/>
               </a:ext>
             </a:extLst>
           </p:cNvPr>
@@ -8055,8 +8061,8 @@
         </p:blipFill>
         <p:spPr>
           <a:xfrm>
-            <a:off x="680321" y="2173705"/>
-            <a:ext cx="7956885" cy="4475748"/>
+            <a:off x="696281" y="1977180"/>
+            <a:ext cx="8677014" cy="4880820"/>
           </a:xfrm>
           <a:prstGeom prst="rect">
             <a:avLst/>
@@ -8121,35 +8127,126 @@
           </a:p>
         </p:txBody>
       </p:sp>
-      <p:sp>
-        <p:nvSpPr>
-          <p:cNvPr id="3" name="Content Placeholder 2">
+      <p:pic>
+        <p:nvPicPr>
+          <p:cNvPr id="5" name="Content Placeholder 4">
             <a:extLst>
               <a:ext uri="{FF2B5EF4-FFF2-40B4-BE49-F238E27FC236}">
-                <a16:creationId xmlns:a16="http://schemas.microsoft.com/office/drawing/2014/main" id="{65C4E722-B3D3-4D4C-9AA6-27454428A86D}"/>
+                <a16:creationId xmlns:a16="http://schemas.microsoft.com/office/drawing/2014/main" id="{5C708082-AECE-37B7-74A6-7493FAA55C30}"/>
               </a:ext>
             </a:extLst>
           </p:cNvPr>
-          <p:cNvSpPr>
-            <a:spLocks noGrp="1"/>
-          </p:cNvSpPr>
+          <p:cNvPicPr>
+            <a:picLocks noGrp="1" noChangeAspect="1"/>
+          </p:cNvPicPr>
           <p:nvPr>
             <p:ph idx="1"/>
           </p:nvPr>
-        </p:nvSpPr>
-        <p:spPr/>
-        <p:txBody>
-          <a:bodyPr/>
-          <a:lstStyle/>
-          <a:p>
-            <a:endParaRPr lang="en-US"/>
-          </a:p>
-        </p:txBody>
-      </p:sp>
+        </p:nvPicPr>
+        <p:blipFill>
+          <a:blip r:embed="rId2"/>
+          <a:stretch>
+            <a:fillRect/>
+          </a:stretch>
+        </p:blipFill>
+        <p:spPr>
+          <a:xfrm>
+            <a:off x="3932286" y="0"/>
+            <a:ext cx="6501801" cy="6858000"/>
+          </a:xfrm>
+        </p:spPr>
+      </p:pic>
     </p:spTree>
     <p:extLst>
       <p:ext uri="{BB962C8B-B14F-4D97-AF65-F5344CB8AC3E}">
         <p14:creationId xmlns:p14="http://schemas.microsoft.com/office/powerpoint/2010/main" val="3106509495"/>
+      </p:ext>
+    </p:extLst>
+  </p:cSld>
+  <p:clrMapOvr>
+    <a:masterClrMapping/>
+  </p:clrMapOvr>
+</p:sld>
+</file>
+
+<file path=ppt/slides/slide6.xml><?xml version="1.0" encoding="utf-8"?>
+<p:sld xmlns:a="http://schemas.openxmlformats.org/drawingml/2006/main" xmlns:r="http://schemas.openxmlformats.org/officeDocument/2006/relationships" xmlns:p="http://schemas.openxmlformats.org/presentationml/2006/main">
+  <p:cSld>
+    <p:spTree>
+      <p:nvGrpSpPr>
+        <p:cNvPr id="1" name=""/>
+        <p:cNvGrpSpPr/>
+        <p:nvPr/>
+      </p:nvGrpSpPr>
+      <p:grpSpPr>
+        <a:xfrm>
+          <a:off x="0" y="0"/>
+          <a:ext cx="0" cy="0"/>
+          <a:chOff x="0" y="0"/>
+          <a:chExt cx="0" cy="0"/>
+        </a:xfrm>
+      </p:grpSpPr>
+      <p:sp>
+        <p:nvSpPr>
+          <p:cNvPr id="2" name="Title 1">
+            <a:extLst>
+              <a:ext uri="{FF2B5EF4-FFF2-40B4-BE49-F238E27FC236}">
+                <a16:creationId xmlns:a16="http://schemas.microsoft.com/office/drawing/2014/main" id="{7AA26941-A033-B2FC-7F00-69A30C88AA7C}"/>
+              </a:ext>
+            </a:extLst>
+          </p:cNvPr>
+          <p:cNvSpPr>
+            <a:spLocks noGrp="1"/>
+          </p:cNvSpPr>
+          <p:nvPr>
+            <p:ph type="title"/>
+          </p:nvPr>
+        </p:nvSpPr>
+        <p:spPr/>
+        <p:txBody>
+          <a:bodyPr/>
+          <a:lstStyle/>
+          <a:p>
+            <a:r>
+              <a:rPr lang="en-US" dirty="0"/>
+              <a:t>UML Diagram</a:t>
+            </a:r>
+          </a:p>
+        </p:txBody>
+      </p:sp>
+      <p:pic>
+        <p:nvPicPr>
+          <p:cNvPr id="7" name="Content Placeholder 6">
+            <a:extLst>
+              <a:ext uri="{FF2B5EF4-FFF2-40B4-BE49-F238E27FC236}">
+                <a16:creationId xmlns:a16="http://schemas.microsoft.com/office/drawing/2014/main" id="{0C5EBD73-C242-61A4-4FFC-91DFCC432B8F}"/>
+              </a:ext>
+            </a:extLst>
+          </p:cNvPr>
+          <p:cNvPicPr>
+            <a:picLocks noGrp="1" noChangeAspect="1"/>
+          </p:cNvPicPr>
+          <p:nvPr>
+            <p:ph idx="1"/>
+          </p:nvPr>
+        </p:nvPicPr>
+        <p:blipFill>
+          <a:blip r:embed="rId2"/>
+          <a:stretch>
+            <a:fillRect/>
+          </a:stretch>
+        </p:blipFill>
+        <p:spPr>
+          <a:xfrm>
+            <a:off x="742360" y="1979802"/>
+            <a:ext cx="8350877" cy="4871558"/>
+          </a:xfrm>
+        </p:spPr>
+      </p:pic>
+    </p:spTree>
+    <p:extLst>
+      <p:ext uri="{BB962C8B-B14F-4D97-AF65-F5344CB8AC3E}">
+        <p14:creationId xmlns:p14="http://schemas.microsoft.com/office/powerpoint/2010/main" val="4058736733"/>
       </p:ext>
     </p:extLst>
   </p:cSld>
